--- a/pt/ProgrammingLessons/RepeatBlocks.pptx
+++ b/pt/ProgrammingLessons/RepeatBlocks.pptx
@@ -135,6 +135,238 @@
 </p:presentation>
 </file>
 
+<file path=ppt/revisionInfo.xml><?xml version="1.0" encoding="utf-8"?>
+<p1510:revInfo xmlns:a="http://schemas.openxmlformats.org/drawingml/2006/main" xmlns:r="http://schemas.openxmlformats.org/officeDocument/2006/relationships" xmlns:p1510="http://schemas.microsoft.com/office/powerpoint/2015/10/main">
+  <p1510:revLst>
+    <p1510:client id="{8B02E882-D012-45CA-962D-3FCCF53E8157}" v="5" dt="2020-07-13T04:25:33.687"/>
+  </p1510:revLst>
+</p1510:revInfo>
+</file>
+
+<file path=ppt/changesInfos/changesInfo1.xml><?xml version="1.0" encoding="utf-8"?>
+<pc:chgInfo xmlns:a="http://schemas.openxmlformats.org/drawingml/2006/main" xmlns:r="http://schemas.openxmlformats.org/officeDocument/2006/relationships" xmlns:ac="http://schemas.microsoft.com/office/drawing/2013/main/command" xmlns:pc="http://schemas.microsoft.com/office/powerpoint/2013/main/command">
+  <pc:docChgLst>
+    <pc:chgData name="Anderson Harayashiki Moreira" userId="07ffc975ff648281" providerId="LiveId" clId="{8B02E882-D012-45CA-962D-3FCCF53E8157}"/>
+    <pc:docChg chg="custSel modSld">
+      <pc:chgData name="Anderson Harayashiki Moreira" userId="07ffc975ff648281" providerId="LiveId" clId="{8B02E882-D012-45CA-962D-3FCCF53E8157}" dt="2020-07-13T04:25:33.687" v="283"/>
+      <pc:docMkLst>
+        <pc:docMk/>
+      </pc:docMkLst>
+      <pc:sldChg chg="addSp delSp">
+        <pc:chgData name="Anderson Harayashiki Moreira" userId="07ffc975ff648281" providerId="LiveId" clId="{8B02E882-D012-45CA-962D-3FCCF53E8157}" dt="2020-07-13T04:25:33.687" v="283"/>
+        <pc:sldMkLst>
+          <pc:docMk/>
+          <pc:sldMk cId="675085363" sldId="257"/>
+        </pc:sldMkLst>
+        <pc:spChg chg="del">
+          <ac:chgData name="Anderson Harayashiki Moreira" userId="07ffc975ff648281" providerId="LiveId" clId="{8B02E882-D012-45CA-962D-3FCCF53E8157}" dt="2020-07-13T04:25:33.247" v="282" actId="478"/>
+          <ac:spMkLst>
+            <pc:docMk/>
+            <pc:sldMk cId="675085363" sldId="257"/>
+            <ac:spMk id="4" creationId="{00000000-0000-0000-0000-000000000000}"/>
+          </ac:spMkLst>
+        </pc:spChg>
+        <pc:spChg chg="add">
+          <ac:chgData name="Anderson Harayashiki Moreira" userId="07ffc975ff648281" providerId="LiveId" clId="{8B02E882-D012-45CA-962D-3FCCF53E8157}" dt="2020-07-13T04:25:33.687" v="283"/>
+          <ac:spMkLst>
+            <pc:docMk/>
+            <pc:sldMk cId="675085363" sldId="257"/>
+            <ac:spMk id="8" creationId="{69057216-0152-4A36-9908-0623CDFACA19}"/>
+          </ac:spMkLst>
+        </pc:spChg>
+      </pc:sldChg>
+      <pc:sldChg chg="addSp delSp modSp">
+        <pc:chgData name="Anderson Harayashiki Moreira" userId="07ffc975ff648281" providerId="LiveId" clId="{8B02E882-D012-45CA-962D-3FCCF53E8157}" dt="2020-07-13T04:25:31.207" v="281"/>
+        <pc:sldMkLst>
+          <pc:docMk/>
+          <pc:sldMk cId="2663883085" sldId="276"/>
+        </pc:sldMkLst>
+        <pc:spChg chg="mod">
+          <ac:chgData name="Anderson Harayashiki Moreira" userId="07ffc975ff648281" providerId="LiveId" clId="{8B02E882-D012-45CA-962D-3FCCF53E8157}" dt="2020-07-13T04:16:58.996" v="45" actId="20577"/>
+          <ac:spMkLst>
+            <pc:docMk/>
+            <pc:sldMk cId="2663883085" sldId="276"/>
+            <ac:spMk id="3" creationId="{1545B322-4A52-46AA-8325-CC94EF0D1E6E}"/>
+          </ac:spMkLst>
+        </pc:spChg>
+        <pc:spChg chg="del">
+          <ac:chgData name="Anderson Harayashiki Moreira" userId="07ffc975ff648281" providerId="LiveId" clId="{8B02E882-D012-45CA-962D-3FCCF53E8157}" dt="2020-07-13T04:25:30.628" v="280" actId="478"/>
+          <ac:spMkLst>
+            <pc:docMk/>
+            <pc:sldMk cId="2663883085" sldId="276"/>
+            <ac:spMk id="4" creationId="{1143C30F-5C3B-4D40-B83F-EDE97F88B011}"/>
+          </ac:spMkLst>
+        </pc:spChg>
+        <pc:spChg chg="add">
+          <ac:chgData name="Anderson Harayashiki Moreira" userId="07ffc975ff648281" providerId="LiveId" clId="{8B02E882-D012-45CA-962D-3FCCF53E8157}" dt="2020-07-13T04:25:31.207" v="281"/>
+          <ac:spMkLst>
+            <pc:docMk/>
+            <pc:sldMk cId="2663883085" sldId="276"/>
+            <ac:spMk id="7" creationId="{8ED31539-3CA8-4911-BC8D-73FA47841B6D}"/>
+          </ac:spMkLst>
+        </pc:spChg>
+      </pc:sldChg>
+      <pc:sldChg chg="addSp delSp modSp">
+        <pc:chgData name="Anderson Harayashiki Moreira" userId="07ffc975ff648281" providerId="LiveId" clId="{8B02E882-D012-45CA-962D-3FCCF53E8157}" dt="2020-07-13T04:25:25.216" v="277"/>
+        <pc:sldMkLst>
+          <pc:docMk/>
+          <pc:sldMk cId="284383066" sldId="277"/>
+        </pc:sldMkLst>
+        <pc:spChg chg="mod">
+          <ac:chgData name="Anderson Harayashiki Moreira" userId="07ffc975ff648281" providerId="LiveId" clId="{8B02E882-D012-45CA-962D-3FCCF53E8157}" dt="2020-07-13T04:23:49.068" v="215" actId="123"/>
+          <ac:spMkLst>
+            <pc:docMk/>
+            <pc:sldMk cId="284383066" sldId="277"/>
+            <ac:spMk id="3" creationId="{EBCBC79F-EC72-4077-B01D-63616E541047}"/>
+          </ac:spMkLst>
+        </pc:spChg>
+        <pc:spChg chg="del">
+          <ac:chgData name="Anderson Harayashiki Moreira" userId="07ffc975ff648281" providerId="LiveId" clId="{8B02E882-D012-45CA-962D-3FCCF53E8157}" dt="2020-07-13T04:25:24.583" v="276" actId="478"/>
+          <ac:spMkLst>
+            <pc:docMk/>
+            <pc:sldMk cId="284383066" sldId="277"/>
+            <ac:spMk id="4" creationId="{82A720C5-E4C1-48F9-AD36-FBCA95FE626F}"/>
+          </ac:spMkLst>
+        </pc:spChg>
+        <pc:spChg chg="add">
+          <ac:chgData name="Anderson Harayashiki Moreira" userId="07ffc975ff648281" providerId="LiveId" clId="{8B02E882-D012-45CA-962D-3FCCF53E8157}" dt="2020-07-13T04:25:25.216" v="277"/>
+          <ac:spMkLst>
+            <pc:docMk/>
+            <pc:sldMk cId="284383066" sldId="277"/>
+            <ac:spMk id="9" creationId="{DA080F97-61A4-44F4-9A24-26B90E4F4DE2}"/>
+          </ac:spMkLst>
+        </pc:spChg>
+      </pc:sldChg>
+      <pc:sldChg chg="addSp delSp modSp">
+        <pc:chgData name="Anderson Harayashiki Moreira" userId="07ffc975ff648281" providerId="LiveId" clId="{8B02E882-D012-45CA-962D-3FCCF53E8157}" dt="2020-07-13T04:25:22.305" v="275"/>
+        <pc:sldMkLst>
+          <pc:docMk/>
+          <pc:sldMk cId="2534231967" sldId="278"/>
+        </pc:sldMkLst>
+        <pc:spChg chg="mod">
+          <ac:chgData name="Anderson Harayashiki Moreira" userId="07ffc975ff648281" providerId="LiveId" clId="{8B02E882-D012-45CA-962D-3FCCF53E8157}" dt="2020-07-13T04:24:38.005" v="222" actId="255"/>
+          <ac:spMkLst>
+            <pc:docMk/>
+            <pc:sldMk cId="2534231967" sldId="278"/>
+            <ac:spMk id="3" creationId="{75FE2695-1D9B-43D2-A49B-B4BCEC653D67}"/>
+          </ac:spMkLst>
+        </pc:spChg>
+        <pc:spChg chg="del">
+          <ac:chgData name="Anderson Harayashiki Moreira" userId="07ffc975ff648281" providerId="LiveId" clId="{8B02E882-D012-45CA-962D-3FCCF53E8157}" dt="2020-07-13T04:25:21.636" v="274" actId="478"/>
+          <ac:spMkLst>
+            <pc:docMk/>
+            <pc:sldMk cId="2534231967" sldId="278"/>
+            <ac:spMk id="4" creationId="{A32151A4-003E-4C98-B907-2FD12D4D297E}"/>
+          </ac:spMkLst>
+        </pc:spChg>
+        <pc:spChg chg="mod">
+          <ac:chgData name="Anderson Harayashiki Moreira" userId="07ffc975ff648281" providerId="LiveId" clId="{8B02E882-D012-45CA-962D-3FCCF53E8157}" dt="2020-07-13T04:24:43.881" v="223" actId="1076"/>
+          <ac:spMkLst>
+            <pc:docMk/>
+            <pc:sldMk cId="2534231967" sldId="278"/>
+            <ac:spMk id="8" creationId="{A5B236D1-946C-45AF-A0AD-D394061BB853}"/>
+          </ac:spMkLst>
+        </pc:spChg>
+        <pc:spChg chg="add">
+          <ac:chgData name="Anderson Harayashiki Moreira" userId="07ffc975ff648281" providerId="LiveId" clId="{8B02E882-D012-45CA-962D-3FCCF53E8157}" dt="2020-07-13T04:25:22.305" v="275"/>
+          <ac:spMkLst>
+            <pc:docMk/>
+            <pc:sldMk cId="2534231967" sldId="278"/>
+            <ac:spMk id="9" creationId="{6B40E838-6FE9-4176-A82A-487952238C68}"/>
+          </ac:spMkLst>
+        </pc:spChg>
+      </pc:sldChg>
+      <pc:sldChg chg="addSp delSp modSp">
+        <pc:chgData name="Anderson Harayashiki Moreira" userId="07ffc975ff648281" providerId="LiveId" clId="{8B02E882-D012-45CA-962D-3FCCF53E8157}" dt="2020-07-13T04:25:28.495" v="279"/>
+        <pc:sldMkLst>
+          <pc:docMk/>
+          <pc:sldMk cId="3257637167" sldId="281"/>
+        </pc:sldMkLst>
+        <pc:spChg chg="mod">
+          <ac:chgData name="Anderson Harayashiki Moreira" userId="07ffc975ff648281" providerId="LiveId" clId="{8B02E882-D012-45CA-962D-3FCCF53E8157}" dt="2020-07-13T04:18:53.765" v="71" actId="123"/>
+          <ac:spMkLst>
+            <pc:docMk/>
+            <pc:sldMk cId="3257637167" sldId="281"/>
+            <ac:spMk id="3" creationId="{3A7699E4-70B9-4DEA-9160-43D2243123BA}"/>
+          </ac:spMkLst>
+        </pc:spChg>
+        <pc:spChg chg="del">
+          <ac:chgData name="Anderson Harayashiki Moreira" userId="07ffc975ff648281" providerId="LiveId" clId="{8B02E882-D012-45CA-962D-3FCCF53E8157}" dt="2020-07-13T04:25:27.876" v="278" actId="478"/>
+          <ac:spMkLst>
+            <pc:docMk/>
+            <pc:sldMk cId="3257637167" sldId="281"/>
+            <ac:spMk id="4" creationId="{FB18AD53-29C3-4E4B-B4B8-DBEF360C6AA3}"/>
+          </ac:spMkLst>
+        </pc:spChg>
+        <pc:spChg chg="mod">
+          <ac:chgData name="Anderson Harayashiki Moreira" userId="07ffc975ff648281" providerId="LiveId" clId="{8B02E882-D012-45CA-962D-3FCCF53E8157}" dt="2020-07-13T04:20:23.941" v="109" actId="14100"/>
+          <ac:spMkLst>
+            <pc:docMk/>
+            <pc:sldMk cId="3257637167" sldId="281"/>
+            <ac:spMk id="7" creationId="{3E5EDA4D-8A34-4604-AA15-F0ABB9F2EFEF}"/>
+          </ac:spMkLst>
+        </pc:spChg>
+        <pc:spChg chg="mod">
+          <ac:chgData name="Anderson Harayashiki Moreira" userId="07ffc975ff648281" providerId="LiveId" clId="{8B02E882-D012-45CA-962D-3FCCF53E8157}" dt="2020-07-13T04:20:36.148" v="145" actId="1035"/>
+          <ac:spMkLst>
+            <pc:docMk/>
+            <pc:sldMk cId="3257637167" sldId="281"/>
+            <ac:spMk id="10" creationId="{8D5306E4-2207-45BD-A52D-903BF75BA4DD}"/>
+          </ac:spMkLst>
+        </pc:spChg>
+        <pc:spChg chg="mod">
+          <ac:chgData name="Anderson Harayashiki Moreira" userId="07ffc975ff648281" providerId="LiveId" clId="{8B02E882-D012-45CA-962D-3FCCF53E8157}" dt="2020-07-13T04:21:52.801" v="213" actId="1035"/>
+          <ac:spMkLst>
+            <pc:docMk/>
+            <pc:sldMk cId="3257637167" sldId="281"/>
+            <ac:spMk id="11" creationId="{77D6EED6-4D83-4F3D-812B-C239638E471F}"/>
+          </ac:spMkLst>
+        </pc:spChg>
+        <pc:spChg chg="add">
+          <ac:chgData name="Anderson Harayashiki Moreira" userId="07ffc975ff648281" providerId="LiveId" clId="{8B02E882-D012-45CA-962D-3FCCF53E8157}" dt="2020-07-13T04:25:28.495" v="279"/>
+          <ac:spMkLst>
+            <pc:docMk/>
+            <pc:sldMk cId="3257637167" sldId="281"/>
+            <ac:spMk id="12" creationId="{24FEF350-9043-4E7D-8E04-0B0BAAC6723A}"/>
+          </ac:spMkLst>
+        </pc:spChg>
+        <pc:spChg chg="mod">
+          <ac:chgData name="Anderson Harayashiki Moreira" userId="07ffc975ff648281" providerId="LiveId" clId="{8B02E882-D012-45CA-962D-3FCCF53E8157}" dt="2020-07-13T04:20:43.483" v="160" actId="1037"/>
+          <ac:spMkLst>
+            <pc:docMk/>
+            <pc:sldMk cId="3257637167" sldId="281"/>
+            <ac:spMk id="14" creationId="{8F3A22C2-71A5-4CB3-8636-ED0346C6A335}"/>
+          </ac:spMkLst>
+        </pc:spChg>
+      </pc:sldChg>
+      <pc:sldChg chg="modSp">
+        <pc:chgData name="Anderson Harayashiki Moreira" userId="07ffc975ff648281" providerId="LiveId" clId="{8B02E882-D012-45CA-962D-3FCCF53E8157}" dt="2020-07-13T04:25:15.909" v="273" actId="20577"/>
+        <pc:sldMkLst>
+          <pc:docMk/>
+          <pc:sldMk cId="3392129947" sldId="288"/>
+        </pc:sldMkLst>
+        <pc:spChg chg="mod">
+          <ac:chgData name="Anderson Harayashiki Moreira" userId="07ffc975ff648281" providerId="LiveId" clId="{8B02E882-D012-45CA-962D-3FCCF53E8157}" dt="2020-07-13T04:25:05.113" v="267" actId="20577"/>
+          <ac:spMkLst>
+            <pc:docMk/>
+            <pc:sldMk cId="3392129947" sldId="288"/>
+            <ac:spMk id="3" creationId="{00000000-0000-0000-0000-000000000000}"/>
+          </ac:spMkLst>
+        </pc:spChg>
+        <pc:spChg chg="mod">
+          <ac:chgData name="Anderson Harayashiki Moreira" userId="07ffc975ff648281" providerId="LiveId" clId="{8B02E882-D012-45CA-962D-3FCCF53E8157}" dt="2020-07-13T04:25:15.909" v="273" actId="20577"/>
+          <ac:spMkLst>
+            <pc:docMk/>
+            <pc:sldMk cId="3392129947" sldId="288"/>
+            <ac:spMk id="4" creationId="{00000000-0000-0000-0000-000000000000}"/>
+          </ac:spMkLst>
+        </pc:spChg>
+      </pc:sldChg>
+    </pc:docChg>
+  </pc:docChgLst>
+</pc:chgInfo>
+</file>
+
 <file path=ppt/handoutMasters/handoutMaster1.xml><?xml version="1.0" encoding="utf-8"?>
 <p:handoutMaster xmlns:a="http://schemas.openxmlformats.org/drawingml/2006/main" xmlns:r="http://schemas.openxmlformats.org/officeDocument/2006/relationships" xmlns:p="http://schemas.openxmlformats.org/presentationml/2006/main">
   <p:cSld>
@@ -217,7 +449,7 @@
           <a:p>
             <a:fld id="{58040048-1E4D-CD41-AC49-0750EB72586B}" type="datetimeFigureOut">
               <a:rPr lang="en-US" smtClean="0"/>
-              <a:t>6/10/2020</a:t>
+              <a:t>7/13/2020</a:t>
             </a:fld>
             <a:endParaRPr lang="en-US"/>
           </a:p>
@@ -383,7 +615,7 @@
           <a:p>
             <a:fld id="{2B8484CF-5098-F24E-8881-583515D5C406}" type="datetimeFigureOut">
               <a:rPr lang="en-US" smtClean="0"/>
-              <a:t>6/10/2020</a:t>
+              <a:t>7/13/2020</a:t>
             </a:fld>
             <a:endParaRPr lang="en-US"/>
           </a:p>
@@ -5602,28 +5834,6 @@
       </p:sp>
       <p:sp>
         <p:nvSpPr>
-          <p:cNvPr id="4" name="Footer Placeholder 3"/>
-          <p:cNvSpPr>
-            <a:spLocks noGrp="1"/>
-          </p:cNvSpPr>
-          <p:nvPr>
-            <p:ph type="ftr" sz="quarter" idx="11"/>
-          </p:nvPr>
-        </p:nvSpPr>
-        <p:spPr/>
-        <p:txBody>
-          <a:bodyPr/>
-          <a:lstStyle/>
-          <a:p>
-            <a:r>
-              <a:rPr lang="en-US" dirty="0"/>
-              <a:t>Copyright © 2020 SPIKE Prime Lessons (primelessons.org) CC-BY-NC-SA.  (Last edit: 1/9/2020)</a:t>
-            </a:r>
-          </a:p>
-        </p:txBody>
-      </p:sp>
-      <p:sp>
-        <p:nvSpPr>
           <p:cNvPr id="7" name="Slide Number Placeholder 6">
             <a:extLst>
               <a:ext uri="{FF2B5EF4-FFF2-40B4-BE49-F238E27FC236}">
@@ -5680,6 +5890,39 @@
           </a:prstGeom>
         </p:spPr>
       </p:pic>
+      <p:sp>
+        <p:nvSpPr>
+          <p:cNvPr id="8" name="Footer Placeholder 3">
+            <a:extLst>
+              <a:ext uri="{FF2B5EF4-FFF2-40B4-BE49-F238E27FC236}">
+                <a16:creationId xmlns:a16="http://schemas.microsoft.com/office/drawing/2014/main" id="{69057216-0152-4A36-9908-0623CDFACA19}"/>
+              </a:ext>
+            </a:extLst>
+          </p:cNvPr>
+          <p:cNvSpPr>
+            <a:spLocks noGrp="1"/>
+          </p:cNvSpPr>
+          <p:nvPr>
+            <p:ph type="ftr" sz="quarter" idx="11"/>
+          </p:nvPr>
+        </p:nvSpPr>
+        <p:spPr>
+          <a:xfrm>
+            <a:off x="88409" y="6321349"/>
+            <a:ext cx="4870585" cy="365125"/>
+          </a:xfrm>
+        </p:spPr>
+        <p:txBody>
+          <a:bodyPr/>
+          <a:lstStyle/>
+          <a:p>
+            <a:r>
+              <a:rPr lang="en-US" dirty="0"/>
+              <a:t>Copyright © 2020 SPIKE Prime Lessons (primelessons.org) CC-BY-NC-SA.  (Last edit: 07/13/2020)</a:t>
+            </a:r>
+          </a:p>
+        </p:txBody>
+      </p:sp>
     </p:spTree>
     <p:extLst>
       <p:ext uri="{BB962C8B-B14F-4D97-AF65-F5344CB8AC3E}">
@@ -5768,75 +6011,52 @@
           </a:bodyPr>
           <a:lstStyle/>
           <a:p>
+            <a:pPr algn="just"/>
             <a:r>
               <a:rPr lang="pt-BR" dirty="0"/>
               <a:t>Digamos que você quer que o robô repita uma ação.</a:t>
             </a:r>
           </a:p>
           <a:p>
-            <a:pPr lvl="1"/>
+            <a:pPr lvl="1" algn="just"/>
             <a:r>
               <a:rPr lang="pt-BR" dirty="0"/>
               <a:t>Você copiaria os blocos repetidamente?</a:t>
             </a:r>
           </a:p>
           <a:p>
-            <a:pPr lvl="1"/>
+            <a:pPr lvl="1" algn="just"/>
             <a:r>
               <a:rPr lang="pt-BR" dirty="0"/>
               <a:t>E se precisasse repetir a ação para sempre?</a:t>
             </a:r>
           </a:p>
           <a:p>
+            <a:pPr algn="just"/>
             <a:r>
               <a:rPr lang="pt-BR" dirty="0"/>
               <a:t>Você pode usar o Bloco Repete para repetir uma ação um determinado número de vezes ou até uma condição ser atendida.</a:t>
             </a:r>
           </a:p>
           <a:p>
+            <a:pPr algn="just"/>
             <a:r>
               <a:rPr lang="pt-BR" dirty="0"/>
               <a:t>Blocos Repete tornam mais fácil repetir a mesma tarefa várias vezes.</a:t>
             </a:r>
           </a:p>
           <a:p>
+            <a:pPr algn="just"/>
             <a:r>
               <a:rPr lang="pt-BR" dirty="0"/>
-              <a:t>O benefício adicional é que um loop pode acabar quando você desejar.  (Um número especifico de vezes, rodar para sempre, uma condição etc)</a:t>
-            </a:r>
-          </a:p>
-          <a:p>
+              <a:t>O benefício adicional é que um laço de repetição pode acabar quando você desejar.  (Um número específico de vezes, rodar para sempre, uma condição específica, etc.)</a:t>
+            </a:r>
+          </a:p>
+          <a:p>
+            <a:pPr algn="just"/>
             <a:r>
               <a:rPr lang="pt-BR" dirty="0"/>
-              <a:t>Blocos Repete estão na Paleta Controle</a:t>
-            </a:r>
-          </a:p>
-        </p:txBody>
-      </p:sp>
-      <p:sp>
-        <p:nvSpPr>
-          <p:cNvPr id="4" name="Footer Placeholder 3">
-            <a:extLst>
-              <a:ext uri="{FF2B5EF4-FFF2-40B4-BE49-F238E27FC236}">
-                <a16:creationId xmlns:a16="http://schemas.microsoft.com/office/drawing/2014/main" id="{1143C30F-5C3B-4D40-B83F-EDE97F88B011}"/>
-              </a:ext>
-            </a:extLst>
-          </p:cNvPr>
-          <p:cNvSpPr>
-            <a:spLocks noGrp="1"/>
-          </p:cNvSpPr>
-          <p:nvPr>
-            <p:ph type="ftr" sz="quarter" idx="11"/>
-          </p:nvPr>
-        </p:nvSpPr>
-        <p:spPr/>
-        <p:txBody>
-          <a:bodyPr/>
-          <a:lstStyle/>
-          <a:p>
-            <a:r>
-              <a:rPr lang="en-US" dirty="0"/>
-              <a:t>Copyright © 2020 SPIKE Prime Lessons (primelessons.org) CC-BY-NC-SA.  (Last edit: 1/9/2020)</a:t>
+              <a:t>Os blocos de repetição estão na Paleta Controle</a:t>
             </a:r>
           </a:p>
         </p:txBody>
@@ -5900,6 +6120,39 @@
           </a:prstGeom>
         </p:spPr>
       </p:pic>
+      <p:sp>
+        <p:nvSpPr>
+          <p:cNvPr id="7" name="Footer Placeholder 3">
+            <a:extLst>
+              <a:ext uri="{FF2B5EF4-FFF2-40B4-BE49-F238E27FC236}">
+                <a16:creationId xmlns:a16="http://schemas.microsoft.com/office/drawing/2014/main" id="{8ED31539-3CA8-4911-BC8D-73FA47841B6D}"/>
+              </a:ext>
+            </a:extLst>
+          </p:cNvPr>
+          <p:cNvSpPr>
+            <a:spLocks noGrp="1"/>
+          </p:cNvSpPr>
+          <p:nvPr>
+            <p:ph type="ftr" sz="quarter" idx="11"/>
+          </p:nvPr>
+        </p:nvSpPr>
+        <p:spPr>
+          <a:xfrm>
+            <a:off x="88409" y="6321349"/>
+            <a:ext cx="4870585" cy="365125"/>
+          </a:xfrm>
+        </p:spPr>
+        <p:txBody>
+          <a:bodyPr/>
+          <a:lstStyle/>
+          <a:p>
+            <a:r>
+              <a:rPr lang="en-US" dirty="0"/>
+              <a:t>Copyright © 2020 SPIKE Prime Lessons (primelessons.org) CC-BY-NC-SA.  (Last edit: 07/13/2020)</a:t>
+            </a:r>
+          </a:p>
+        </p:txBody>
+      </p:sp>
     </p:spTree>
     <p:extLst>
       <p:ext uri="{BB962C8B-B14F-4D97-AF65-F5344CB8AC3E}">
@@ -5990,39 +6243,6 @@
       </p:sp>
       <p:sp>
         <p:nvSpPr>
-          <p:cNvPr id="4" name="Footer Placeholder 3">
-            <a:extLst>
-              <a:ext uri="{FF2B5EF4-FFF2-40B4-BE49-F238E27FC236}">
-                <a16:creationId xmlns:a16="http://schemas.microsoft.com/office/drawing/2014/main" id="{FB18AD53-29C3-4E4B-B4B8-DBEF360C6AA3}"/>
-              </a:ext>
-            </a:extLst>
-          </p:cNvPr>
-          <p:cNvSpPr>
-            <a:spLocks noGrp="1"/>
-          </p:cNvSpPr>
-          <p:nvPr>
-            <p:ph type="ftr" sz="quarter" idx="11"/>
-          </p:nvPr>
-        </p:nvSpPr>
-        <p:spPr>
-          <a:xfrm>
-            <a:off x="88409" y="6323265"/>
-            <a:ext cx="4870585" cy="365125"/>
-          </a:xfrm>
-        </p:spPr>
-        <p:txBody>
-          <a:bodyPr/>
-          <a:lstStyle/>
-          <a:p>
-            <a:r>
-              <a:rPr lang="en-US" dirty="0"/>
-              <a:t>Copyright © 2020 SPIKE Prime Lessons (primelessons.org) CC-BY-NC-SA.  (Last edit: 1/9/2020)</a:t>
-            </a:r>
-          </a:p>
-        </p:txBody>
-      </p:sp>
-      <p:sp>
-        <p:nvSpPr>
           <p:cNvPr id="5" name="Slide Number Placeholder 4">
             <a:extLst>
               <a:ext uri="{FF2B5EF4-FFF2-40B4-BE49-F238E27FC236}">
@@ -6066,8 +6286,8 @@
         </p:nvSpPr>
         <p:spPr>
           <a:xfrm>
-            <a:off x="4292253" y="3275236"/>
-            <a:ext cx="3817274" cy="417470"/>
+            <a:off x="4226311" y="3270840"/>
+            <a:ext cx="4780529" cy="417470"/>
           </a:xfrm>
           <a:prstGeom prst="rect">
             <a:avLst/>
@@ -6075,7 +6295,297 @@
         </p:spPr>
         <p:txBody>
           <a:bodyPr vert="horz" lIns="91440" tIns="45720" rIns="91440" bIns="45720" rtlCol="0" anchor="t">
-            <a:normAutofit fontScale="70000" lnSpcReduction="20000"/>
+            <a:noAutofit/>
+          </a:bodyPr>
+          <a:lstStyle>
+            <a:lvl1pPr indent="0" defTabSz="457200">
+              <a:spcBef>
+                <a:spcPct val="20000"/>
+              </a:spcBef>
+              <a:spcAft>
+                <a:spcPts val="600"/>
+              </a:spcAft>
+              <a:buClr>
+                <a:schemeClr val="accent2"/>
+              </a:buClr>
+              <a:buSzPct val="92000"/>
+              <a:buFont typeface="Wingdings 2" charset="2"/>
+              <a:buNone/>
+              <a:defRPr>
+                <a:solidFill>
+                  <a:schemeClr val="tx2"/>
+                </a:solidFill>
+              </a:defRPr>
+            </a:lvl1pPr>
+            <a:lvl2pPr marL="630000" indent="-306000" defTabSz="457200">
+              <a:spcBef>
+                <a:spcPct val="20000"/>
+              </a:spcBef>
+              <a:spcAft>
+                <a:spcPts val="600"/>
+              </a:spcAft>
+              <a:buClr>
+                <a:schemeClr val="accent2"/>
+              </a:buClr>
+              <a:buSzPct val="92000"/>
+              <a:buFont typeface="Wingdings 2" charset="2"/>
+              <a:buChar char=""/>
+              <a:defRPr sz="1600">
+                <a:solidFill>
+                  <a:schemeClr val="tx2"/>
+                </a:solidFill>
+              </a:defRPr>
+            </a:lvl2pPr>
+            <a:lvl3pPr marL="900000" indent="-270000" defTabSz="457200">
+              <a:spcBef>
+                <a:spcPct val="20000"/>
+              </a:spcBef>
+              <a:spcAft>
+                <a:spcPts val="600"/>
+              </a:spcAft>
+              <a:buClr>
+                <a:schemeClr val="accent2"/>
+              </a:buClr>
+              <a:buSzPct val="92000"/>
+              <a:buFont typeface="Wingdings 2" charset="2"/>
+              <a:buChar char=""/>
+              <a:defRPr sz="1400">
+                <a:solidFill>
+                  <a:schemeClr val="tx2"/>
+                </a:solidFill>
+              </a:defRPr>
+            </a:lvl3pPr>
+            <a:lvl4pPr marL="1242000" indent="-234000" defTabSz="457200">
+              <a:spcBef>
+                <a:spcPct val="20000"/>
+              </a:spcBef>
+              <a:spcAft>
+                <a:spcPts val="600"/>
+              </a:spcAft>
+              <a:buClr>
+                <a:schemeClr val="accent2"/>
+              </a:buClr>
+              <a:buSzPct val="92000"/>
+              <a:buFont typeface="Wingdings 2" charset="2"/>
+              <a:buChar char=""/>
+              <a:defRPr sz="1200">
+                <a:solidFill>
+                  <a:schemeClr val="tx2"/>
+                </a:solidFill>
+              </a:defRPr>
+            </a:lvl4pPr>
+            <a:lvl5pPr marL="1602000" indent="-234000" defTabSz="457200">
+              <a:spcBef>
+                <a:spcPct val="20000"/>
+              </a:spcBef>
+              <a:spcAft>
+                <a:spcPts val="600"/>
+              </a:spcAft>
+              <a:buClr>
+                <a:schemeClr val="accent2"/>
+              </a:buClr>
+              <a:buSzPct val="92000"/>
+              <a:buFont typeface="Wingdings 2" charset="2"/>
+              <a:buChar char=""/>
+              <a:defRPr sz="1200">
+                <a:solidFill>
+                  <a:schemeClr val="tx2"/>
+                </a:solidFill>
+              </a:defRPr>
+            </a:lvl5pPr>
+            <a:lvl6pPr marL="1900000" indent="-228600" defTabSz="457200">
+              <a:spcBef>
+                <a:spcPct val="20000"/>
+              </a:spcBef>
+              <a:spcAft>
+                <a:spcPts val="600"/>
+              </a:spcAft>
+              <a:buClr>
+                <a:schemeClr val="accent2"/>
+              </a:buClr>
+              <a:buSzPct val="92000"/>
+              <a:buFont typeface="Wingdings 2" charset="2"/>
+              <a:buChar char=""/>
+              <a:defRPr sz="1200">
+                <a:solidFill>
+                  <a:schemeClr val="tx2"/>
+                </a:solidFill>
+              </a:defRPr>
+            </a:lvl6pPr>
+            <a:lvl7pPr marL="2200000" indent="-228600" defTabSz="457200">
+              <a:spcBef>
+                <a:spcPct val="20000"/>
+              </a:spcBef>
+              <a:spcAft>
+                <a:spcPts val="600"/>
+              </a:spcAft>
+              <a:buClr>
+                <a:schemeClr val="accent2"/>
+              </a:buClr>
+              <a:buSzPct val="92000"/>
+              <a:buFont typeface="Wingdings 2" charset="2"/>
+              <a:buChar char=""/>
+              <a:defRPr sz="1200">
+                <a:solidFill>
+                  <a:schemeClr val="tx2"/>
+                </a:solidFill>
+              </a:defRPr>
+            </a:lvl7pPr>
+            <a:lvl8pPr marL="2500000" indent="-228600" defTabSz="457200">
+              <a:spcBef>
+                <a:spcPct val="20000"/>
+              </a:spcBef>
+              <a:spcAft>
+                <a:spcPts val="600"/>
+              </a:spcAft>
+              <a:buClr>
+                <a:schemeClr val="accent2"/>
+              </a:buClr>
+              <a:buSzPct val="92000"/>
+              <a:buFont typeface="Wingdings 2" charset="2"/>
+              <a:buChar char=""/>
+              <a:defRPr sz="1200">
+                <a:solidFill>
+                  <a:schemeClr val="tx2"/>
+                </a:solidFill>
+              </a:defRPr>
+            </a:lvl8pPr>
+            <a:lvl9pPr marL="2800000" indent="-228600" defTabSz="457200">
+              <a:spcBef>
+                <a:spcPct val="20000"/>
+              </a:spcBef>
+              <a:spcAft>
+                <a:spcPts val="600"/>
+              </a:spcAft>
+              <a:buClr>
+                <a:schemeClr val="accent2"/>
+              </a:buClr>
+              <a:buSzPct val="92000"/>
+              <a:buFont typeface="Wingdings 2" panose="05020102010507070707" pitchFamily="18" charset="2"/>
+              <a:buChar char=""/>
+              <a:defRPr sz="1200">
+                <a:solidFill>
+                  <a:schemeClr val="tx2"/>
+                </a:solidFill>
+              </a:defRPr>
+            </a:lvl9pPr>
+          </a:lstStyle>
+          <a:p>
+            <a:r>
+              <a:rPr lang="en-US" sz="1600" dirty="0"/>
+              <a:t>Aguarda até o sensor ser pressionado pela primeira vez</a:t>
+            </a:r>
+          </a:p>
+        </p:txBody>
+      </p:sp>
+      <p:sp>
+        <p:nvSpPr>
+          <p:cNvPr id="10" name="Content Placeholder 2">
+            <a:extLst>
+              <a:ext uri="{FF2B5EF4-FFF2-40B4-BE49-F238E27FC236}">
+                <a16:creationId xmlns:a16="http://schemas.microsoft.com/office/drawing/2014/main" id="{8D5306E4-2207-45BD-A52D-903BF75BA4DD}"/>
+              </a:ext>
+            </a:extLst>
+          </p:cNvPr>
+          <p:cNvSpPr>
+            <a:spLocks noGrp="1"/>
+          </p:cNvSpPr>
+          <p:nvPr>
+            <p:ph idx="1"/>
+          </p:nvPr>
+        </p:nvSpPr>
+        <p:spPr>
+          <a:xfrm>
+            <a:off x="3700883" y="2779451"/>
+            <a:ext cx="4052662" cy="399033"/>
+          </a:xfrm>
+        </p:spPr>
+        <p:txBody>
+          <a:bodyPr>
+            <a:normAutofit/>
+          </a:bodyPr>
+          <a:lstStyle/>
+          <a:p>
+            <a:pPr marL="0" indent="0">
+              <a:buNone/>
+            </a:pPr>
+            <a:r>
+              <a:rPr lang="en-US" sz="1600" dirty="0"/>
+              <a:t>Configura seus motores</a:t>
+            </a:r>
+          </a:p>
+        </p:txBody>
+      </p:sp>
+      <p:sp>
+        <p:nvSpPr>
+          <p:cNvPr id="3" name="TextBox 2">
+            <a:extLst>
+              <a:ext uri="{FF2B5EF4-FFF2-40B4-BE49-F238E27FC236}">
+                <a16:creationId xmlns:a16="http://schemas.microsoft.com/office/drawing/2014/main" id="{3A7699E4-70B9-4DEA-9160-43D2243123BA}"/>
+              </a:ext>
+            </a:extLst>
+          </p:cNvPr>
+          <p:cNvSpPr txBox="1"/>
+          <p:nvPr/>
+        </p:nvSpPr>
+        <p:spPr>
+          <a:xfrm>
+            <a:off x="110716" y="1138947"/>
+            <a:ext cx="8896124" cy="923330"/>
+          </a:xfrm>
+          <a:prstGeom prst="rect">
+            <a:avLst/>
+          </a:prstGeom>
+          <a:noFill/>
+        </p:spPr>
+        <p:txBody>
+          <a:bodyPr wrap="square" rtlCol="0">
+            <a:spAutoFit/>
+          </a:bodyPr>
+          <a:lstStyle/>
+          <a:p>
+            <a:pPr algn="just"/>
+            <a:r>
+              <a:rPr lang="pt-BR" dirty="0"/>
+              <a:t>Nesse exemplo o robô ajusta a velocidade dos motores baseado no Sensor de Força até que ele seja liberado. Esse tipo de laço de repetição é diferente do bloco “Espere até que”, uma vez que você pode realizar outras ações </a:t>
+            </a:r>
+            <a:r>
+              <a:rPr lang="pt-BR" b="1" u="sng" dirty="0"/>
+              <a:t>enquanto você espera</a:t>
+            </a:r>
+            <a:r>
+              <a:rPr lang="pt-BR" dirty="0"/>
+              <a:t>.</a:t>
+            </a:r>
+          </a:p>
+        </p:txBody>
+      </p:sp>
+      <p:sp>
+        <p:nvSpPr>
+          <p:cNvPr id="11" name="Content Placeholder 2">
+            <a:extLst>
+              <a:ext uri="{FF2B5EF4-FFF2-40B4-BE49-F238E27FC236}">
+                <a16:creationId xmlns:a16="http://schemas.microsoft.com/office/drawing/2014/main" id="{77D6EED6-4D83-4F3D-812B-C239638E471F}"/>
+              </a:ext>
+            </a:extLst>
+          </p:cNvPr>
+          <p:cNvSpPr txBox="1">
+            <a:spLocks/>
+          </p:cNvSpPr>
+          <p:nvPr/>
+        </p:nvSpPr>
+        <p:spPr>
+          <a:xfrm>
+            <a:off x="4596481" y="4795765"/>
+            <a:ext cx="4128692" cy="1244858"/>
+          </a:xfrm>
+          <a:prstGeom prst="rect">
+            <a:avLst/>
+          </a:prstGeom>
+        </p:spPr>
+        <p:txBody>
+          <a:bodyPr vert="horz" lIns="91440" tIns="45720" rIns="91440" bIns="45720" rtlCol="0" anchor="t">
+            <a:noAutofit/>
           </a:bodyPr>
           <a:lstStyle>
             <a:lvl1pPr marL="306000" indent="-306000" algn="l" defTabSz="457200" rtl="0" eaLnBrk="1" latinLnBrk="0" hangingPunct="1">
@@ -6278,344 +6788,32 @@
             </a:lvl9pPr>
           </a:lstStyle>
           <a:p>
-            <a:pPr marL="0" indent="0">
+            <a:pPr marL="0" indent="0" algn="just">
               <a:buNone/>
             </a:pPr>
             <a:r>
-              <a:rPr lang="en-US" dirty="0"/>
-              <a:t>Aguarda até o sensor ser pressionado pela primeira vez</a:t>
-            </a:r>
-          </a:p>
-        </p:txBody>
-      </p:sp>
-      <p:sp>
-        <p:nvSpPr>
-          <p:cNvPr id="10" name="Content Placeholder 2">
-            <a:extLst>
-              <a:ext uri="{FF2B5EF4-FFF2-40B4-BE49-F238E27FC236}">
-                <a16:creationId xmlns:a16="http://schemas.microsoft.com/office/drawing/2014/main" id="{8D5306E4-2207-45BD-A52D-903BF75BA4DD}"/>
-              </a:ext>
-            </a:extLst>
-          </p:cNvPr>
-          <p:cNvSpPr>
-            <a:spLocks noGrp="1"/>
-          </p:cNvSpPr>
-          <p:nvPr>
-            <p:ph idx="1"/>
-          </p:nvPr>
-        </p:nvSpPr>
-        <p:spPr>
-          <a:xfrm>
-            <a:off x="3859141" y="2766263"/>
-            <a:ext cx="4022276" cy="399033"/>
-          </a:xfrm>
-        </p:spPr>
-        <p:txBody>
-          <a:bodyPr>
-            <a:normAutofit/>
-          </a:bodyPr>
-          <a:lstStyle/>
-          <a:p>
-            <a:pPr marL="0" indent="0">
+              <a:rPr lang="pt-BR" sz="1600" dirty="0"/>
+              <a:t>Ajusta a velocidade do motor baseado na leitura do sensor de força </a:t>
+            </a:r>
+            <a:r>
+              <a:rPr lang="pt-BR" sz="1600" b="1" u="sng" dirty="0"/>
+              <a:t>em cada</a:t>
+            </a:r>
+            <a:r>
+              <a:rPr lang="pt-BR" sz="1600" b="1" dirty="0"/>
+              <a:t> </a:t>
+            </a:r>
+            <a:r>
+              <a:rPr lang="pt-BR" sz="1600" dirty="0"/>
+              <a:t>passagem pelo laço de repetição (iteração).</a:t>
+            </a:r>
+          </a:p>
+          <a:p>
+            <a:pPr marL="0" indent="0" algn="just">
               <a:buNone/>
             </a:pPr>
             <a:r>
-              <a:rPr lang="en-US" dirty="0"/>
-              <a:t>Configura seus motores</a:t>
-            </a:r>
-          </a:p>
-        </p:txBody>
-      </p:sp>
-      <p:sp>
-        <p:nvSpPr>
-          <p:cNvPr id="3" name="TextBox 2">
-            <a:extLst>
-              <a:ext uri="{FF2B5EF4-FFF2-40B4-BE49-F238E27FC236}">
-                <a16:creationId xmlns:a16="http://schemas.microsoft.com/office/drawing/2014/main" id="{3A7699E4-70B9-4DEA-9160-43D2243123BA}"/>
-              </a:ext>
-            </a:extLst>
-          </p:cNvPr>
-          <p:cNvSpPr txBox="1"/>
-          <p:nvPr/>
-        </p:nvSpPr>
-        <p:spPr>
-          <a:xfrm>
-            <a:off x="110716" y="1138947"/>
-            <a:ext cx="8896124" cy="923330"/>
-          </a:xfrm>
-          <a:prstGeom prst="rect">
-            <a:avLst/>
-          </a:prstGeom>
-          <a:noFill/>
-        </p:spPr>
-        <p:txBody>
-          <a:bodyPr wrap="square" rtlCol="0">
-            <a:spAutoFit/>
-          </a:bodyPr>
-          <a:lstStyle/>
-          <a:p>
-            <a:r>
-              <a:rPr lang="pt-BR" dirty="0"/>
-              <a:t>Nesse exemplo o robô ajusta a velocidade dos motores baseado no Sensor de Força até que ele seja liberado. Esse tipo de loop é diferente do bloco Espere até que uma vez que você pode realizar outras ações </a:t>
-            </a:r>
-            <a:r>
-              <a:rPr lang="pt-BR" b="1" dirty="0"/>
-              <a:t>enquanto você espera.</a:t>
-            </a:r>
-            <a:endParaRPr lang="pt-BR" dirty="0"/>
-          </a:p>
-        </p:txBody>
-      </p:sp>
-      <p:sp>
-        <p:nvSpPr>
-          <p:cNvPr id="11" name="Content Placeholder 2">
-            <a:extLst>
-              <a:ext uri="{FF2B5EF4-FFF2-40B4-BE49-F238E27FC236}">
-                <a16:creationId xmlns:a16="http://schemas.microsoft.com/office/drawing/2014/main" id="{77D6EED6-4D83-4F3D-812B-C239638E471F}"/>
-              </a:ext>
-            </a:extLst>
-          </p:cNvPr>
-          <p:cNvSpPr txBox="1">
-            <a:spLocks/>
-          </p:cNvSpPr>
-          <p:nvPr/>
-        </p:nvSpPr>
-        <p:spPr>
-          <a:xfrm>
-            <a:off x="4596481" y="4905665"/>
-            <a:ext cx="4097736" cy="1244858"/>
-          </a:xfrm>
-          <a:prstGeom prst="rect">
-            <a:avLst/>
-          </a:prstGeom>
-        </p:spPr>
-        <p:txBody>
-          <a:bodyPr vert="horz" lIns="91440" tIns="45720" rIns="91440" bIns="45720" rtlCol="0" anchor="t">
-            <a:normAutofit fontScale="92500" lnSpcReduction="10000"/>
-          </a:bodyPr>
-          <a:lstStyle>
-            <a:lvl1pPr marL="306000" indent="-306000" algn="l" defTabSz="457200" rtl="0" eaLnBrk="1" latinLnBrk="0" hangingPunct="1">
-              <a:spcBef>
-                <a:spcPct val="20000"/>
-              </a:spcBef>
-              <a:spcAft>
-                <a:spcPts val="600"/>
-              </a:spcAft>
-              <a:buClr>
-                <a:schemeClr val="accent2"/>
-              </a:buClr>
-              <a:buSzPct val="92000"/>
-              <a:buFont typeface="Wingdings 2" charset="2"/>
-              <a:buChar char=""/>
-              <a:defRPr sz="1800" kern="1200">
-                <a:solidFill>
-                  <a:schemeClr val="tx2"/>
-                </a:solidFill>
-                <a:latin typeface="+mn-lt"/>
-                <a:ea typeface="+mn-ea"/>
-                <a:cs typeface="+mn-cs"/>
-              </a:defRPr>
-            </a:lvl1pPr>
-            <a:lvl2pPr marL="630000" indent="-306000" algn="l" defTabSz="457200" rtl="0" eaLnBrk="1" latinLnBrk="0" hangingPunct="1">
-              <a:spcBef>
-                <a:spcPct val="20000"/>
-              </a:spcBef>
-              <a:spcAft>
-                <a:spcPts val="600"/>
-              </a:spcAft>
-              <a:buClr>
-                <a:schemeClr val="accent2"/>
-              </a:buClr>
-              <a:buSzPct val="92000"/>
-              <a:buFont typeface="Wingdings 2" charset="2"/>
-              <a:buChar char=""/>
-              <a:defRPr sz="1600" kern="1200">
-                <a:solidFill>
-                  <a:schemeClr val="tx2"/>
-                </a:solidFill>
-                <a:latin typeface="+mn-lt"/>
-                <a:ea typeface="+mn-ea"/>
-                <a:cs typeface="+mn-cs"/>
-              </a:defRPr>
-            </a:lvl2pPr>
-            <a:lvl3pPr marL="900000" indent="-270000" algn="l" defTabSz="457200" rtl="0" eaLnBrk="1" latinLnBrk="0" hangingPunct="1">
-              <a:spcBef>
-                <a:spcPct val="20000"/>
-              </a:spcBef>
-              <a:spcAft>
-                <a:spcPts val="600"/>
-              </a:spcAft>
-              <a:buClr>
-                <a:schemeClr val="accent2"/>
-              </a:buClr>
-              <a:buSzPct val="92000"/>
-              <a:buFont typeface="Wingdings 2" charset="2"/>
-              <a:buChar char=""/>
-              <a:defRPr sz="1400" kern="1200">
-                <a:solidFill>
-                  <a:schemeClr val="tx2"/>
-                </a:solidFill>
-                <a:latin typeface="+mn-lt"/>
-                <a:ea typeface="+mn-ea"/>
-                <a:cs typeface="+mn-cs"/>
-              </a:defRPr>
-            </a:lvl3pPr>
-            <a:lvl4pPr marL="1242000" indent="-234000" algn="l" defTabSz="457200" rtl="0" eaLnBrk="1" latinLnBrk="0" hangingPunct="1">
-              <a:spcBef>
-                <a:spcPct val="20000"/>
-              </a:spcBef>
-              <a:spcAft>
-                <a:spcPts val="600"/>
-              </a:spcAft>
-              <a:buClr>
-                <a:schemeClr val="accent2"/>
-              </a:buClr>
-              <a:buSzPct val="92000"/>
-              <a:buFont typeface="Wingdings 2" charset="2"/>
-              <a:buChar char=""/>
-              <a:defRPr sz="1200" kern="1200">
-                <a:solidFill>
-                  <a:schemeClr val="tx2"/>
-                </a:solidFill>
-                <a:latin typeface="+mn-lt"/>
-                <a:ea typeface="+mn-ea"/>
-                <a:cs typeface="+mn-cs"/>
-              </a:defRPr>
-            </a:lvl4pPr>
-            <a:lvl5pPr marL="1602000" indent="-234000" algn="l" defTabSz="457200" rtl="0" eaLnBrk="1" latinLnBrk="0" hangingPunct="1">
-              <a:spcBef>
-                <a:spcPct val="20000"/>
-              </a:spcBef>
-              <a:spcAft>
-                <a:spcPts val="600"/>
-              </a:spcAft>
-              <a:buClr>
-                <a:schemeClr val="accent2"/>
-              </a:buClr>
-              <a:buSzPct val="92000"/>
-              <a:buFont typeface="Wingdings 2" charset="2"/>
-              <a:buChar char=""/>
-              <a:defRPr sz="1200" kern="1200">
-                <a:solidFill>
-                  <a:schemeClr val="tx2"/>
-                </a:solidFill>
-                <a:latin typeface="+mn-lt"/>
-                <a:ea typeface="+mn-ea"/>
-                <a:cs typeface="+mn-cs"/>
-              </a:defRPr>
-            </a:lvl5pPr>
-            <a:lvl6pPr marL="1900000" indent="-228600" algn="l" defTabSz="457200" rtl="0" eaLnBrk="1" latinLnBrk="0" hangingPunct="1">
-              <a:spcBef>
-                <a:spcPct val="20000"/>
-              </a:spcBef>
-              <a:spcAft>
-                <a:spcPts val="600"/>
-              </a:spcAft>
-              <a:buClr>
-                <a:schemeClr val="accent2"/>
-              </a:buClr>
-              <a:buSzPct val="92000"/>
-              <a:buFont typeface="Wingdings 2" charset="2"/>
-              <a:buChar char=""/>
-              <a:defRPr sz="1200" kern="1200">
-                <a:solidFill>
-                  <a:schemeClr val="tx2"/>
-                </a:solidFill>
-                <a:latin typeface="+mn-lt"/>
-                <a:ea typeface="+mn-ea"/>
-                <a:cs typeface="+mn-cs"/>
-              </a:defRPr>
-            </a:lvl6pPr>
-            <a:lvl7pPr marL="2200000" indent="-228600" algn="l" defTabSz="457200" rtl="0" eaLnBrk="1" latinLnBrk="0" hangingPunct="1">
-              <a:spcBef>
-                <a:spcPct val="20000"/>
-              </a:spcBef>
-              <a:spcAft>
-                <a:spcPts val="600"/>
-              </a:spcAft>
-              <a:buClr>
-                <a:schemeClr val="accent2"/>
-              </a:buClr>
-              <a:buSzPct val="92000"/>
-              <a:buFont typeface="Wingdings 2" charset="2"/>
-              <a:buChar char=""/>
-              <a:defRPr sz="1200" kern="1200">
-                <a:solidFill>
-                  <a:schemeClr val="tx2"/>
-                </a:solidFill>
-                <a:latin typeface="+mn-lt"/>
-                <a:ea typeface="+mn-ea"/>
-                <a:cs typeface="+mn-cs"/>
-              </a:defRPr>
-            </a:lvl7pPr>
-            <a:lvl8pPr marL="2500000" indent="-228600" algn="l" defTabSz="457200" rtl="0" eaLnBrk="1" latinLnBrk="0" hangingPunct="1">
-              <a:spcBef>
-                <a:spcPct val="20000"/>
-              </a:spcBef>
-              <a:spcAft>
-                <a:spcPts val="600"/>
-              </a:spcAft>
-              <a:buClr>
-                <a:schemeClr val="accent2"/>
-              </a:buClr>
-              <a:buSzPct val="92000"/>
-              <a:buFont typeface="Wingdings 2" charset="2"/>
-              <a:buChar char=""/>
-              <a:defRPr sz="1200" kern="1200">
-                <a:solidFill>
-                  <a:schemeClr val="tx2"/>
-                </a:solidFill>
-                <a:latin typeface="+mn-lt"/>
-                <a:ea typeface="+mn-ea"/>
-                <a:cs typeface="+mn-cs"/>
-              </a:defRPr>
-            </a:lvl8pPr>
-            <a:lvl9pPr marL="2800000" indent="-228600" algn="l" defTabSz="457200" rtl="0" eaLnBrk="1" latinLnBrk="0" hangingPunct="1">
-              <a:spcBef>
-                <a:spcPct val="20000"/>
-              </a:spcBef>
-              <a:spcAft>
-                <a:spcPts val="600"/>
-              </a:spcAft>
-              <a:buClr>
-                <a:schemeClr val="accent2"/>
-              </a:buClr>
-              <a:buSzPct val="92000"/>
-              <a:buFont typeface="Wingdings 2" panose="05020102010507070707" pitchFamily="18" charset="2"/>
-              <a:buChar char=""/>
-              <a:defRPr sz="1200" kern="1200">
-                <a:solidFill>
-                  <a:schemeClr val="tx2"/>
-                </a:solidFill>
-                <a:latin typeface="+mn-lt"/>
-                <a:ea typeface="+mn-ea"/>
-                <a:cs typeface="+mn-cs"/>
-              </a:defRPr>
-            </a:lvl9pPr>
-          </a:lstStyle>
-          <a:p>
-            <a:pPr marL="0" indent="0">
-              <a:buNone/>
-            </a:pPr>
-            <a:r>
-              <a:rPr lang="pt-BR" dirty="0"/>
-              <a:t>Ajusta a velocidade do motor baseado na leitura do sensor de força </a:t>
-            </a:r>
-            <a:r>
-              <a:rPr lang="pt-BR" b="1" dirty="0"/>
-              <a:t>em cada </a:t>
-            </a:r>
-            <a:r>
-              <a:rPr lang="pt-BR" dirty="0"/>
-              <a:t>passagem pelo loop.</a:t>
-            </a:r>
-          </a:p>
-          <a:p>
-            <a:pPr marL="0" indent="0">
-              <a:buNone/>
-            </a:pPr>
-            <a:r>
-              <a:rPr lang="pt-BR" dirty="0"/>
+              <a:rPr lang="pt-BR" sz="1600" dirty="0"/>
               <a:t> </a:t>
             </a:r>
           </a:p>
@@ -6637,8 +6835,8 @@
         </p:nvSpPr>
         <p:spPr>
           <a:xfrm>
-            <a:off x="4499138" y="3786077"/>
-            <a:ext cx="3817274" cy="417470"/>
+            <a:off x="4428802" y="3786077"/>
+            <a:ext cx="3846112" cy="417470"/>
           </a:xfrm>
           <a:prstGeom prst="rect">
             <a:avLst/>
@@ -6853,8 +7051,41 @@
               <a:buNone/>
             </a:pPr>
             <a:r>
+              <a:rPr lang="en-US" sz="1600" dirty="0"/>
+              <a:t>Repete até o sensor ser liberado</a:t>
+            </a:r>
+          </a:p>
+        </p:txBody>
+      </p:sp>
+      <p:sp>
+        <p:nvSpPr>
+          <p:cNvPr id="12" name="Footer Placeholder 3">
+            <a:extLst>
+              <a:ext uri="{FF2B5EF4-FFF2-40B4-BE49-F238E27FC236}">
+                <a16:creationId xmlns:a16="http://schemas.microsoft.com/office/drawing/2014/main" id="{24FEF350-9043-4E7D-8E04-0B0BAAC6723A}"/>
+              </a:ext>
+            </a:extLst>
+          </p:cNvPr>
+          <p:cNvSpPr>
+            <a:spLocks noGrp="1"/>
+          </p:cNvSpPr>
+          <p:nvPr>
+            <p:ph type="ftr" sz="quarter" idx="11"/>
+          </p:nvPr>
+        </p:nvSpPr>
+        <p:spPr>
+          <a:xfrm>
+            <a:off x="88409" y="6321349"/>
+            <a:ext cx="4870585" cy="365125"/>
+          </a:xfrm>
+        </p:spPr>
+        <p:txBody>
+          <a:bodyPr/>
+          <a:lstStyle/>
+          <a:p>
+            <a:r>
               <a:rPr lang="en-US" dirty="0"/>
-              <a:t>Repete até o sensor ser liberado</a:t>
+              <a:t>Copyright © 2020 SPIKE Prime Lessons (primelessons.org) CC-BY-NC-SA.  (Last edit: 07/13/2020)</a:t>
             </a:r>
           </a:p>
         </p:txBody>
@@ -6945,61 +7176,38 @@
           <a:bodyPr/>
           <a:lstStyle/>
           <a:p>
+            <a:pPr algn="just"/>
             <a:r>
               <a:rPr lang="pt-BR" dirty="0"/>
               <a:t>Dê a volta na caixa</a:t>
             </a:r>
           </a:p>
           <a:p>
+            <a:pPr algn="just"/>
             <a:r>
               <a:rPr lang="pt-BR" dirty="0"/>
-              <a:t>Para fazer isso você deve andar 20cm e virar a direita.</a:t>
-            </a:r>
-          </a:p>
-          <a:p>
+              <a:t>Para fazer isso você deve andar 20 cm e virar a direita.</a:t>
+            </a:r>
+          </a:p>
+          <a:p>
+            <a:pPr algn="just"/>
             <a:r>
               <a:rPr lang="pt-BR" dirty="0"/>
               <a:t>Repita essa ação 4 vezes até dar a volta completa.</a:t>
             </a:r>
           </a:p>
           <a:p>
+            <a:pPr algn="just"/>
             <a:r>
               <a:rPr lang="pt-BR" dirty="0"/>
               <a:t>Você deve lembrar da lição Indo para frente e Virando para completar esse desafio.</a:t>
             </a:r>
           </a:p>
           <a:p>
+            <a:pPr algn="just"/>
             <a:r>
               <a:rPr lang="pt-BR" dirty="0"/>
               <a:t>Você pode repetir essas duas ações com o Bloco Repete</a:t>
-            </a:r>
-          </a:p>
-        </p:txBody>
-      </p:sp>
-      <p:sp>
-        <p:nvSpPr>
-          <p:cNvPr id="4" name="Footer Placeholder 3">
-            <a:extLst>
-              <a:ext uri="{FF2B5EF4-FFF2-40B4-BE49-F238E27FC236}">
-                <a16:creationId xmlns:a16="http://schemas.microsoft.com/office/drawing/2014/main" id="{82A720C5-E4C1-48F9-AD36-FBCA95FE626F}"/>
-              </a:ext>
-            </a:extLst>
-          </p:cNvPr>
-          <p:cNvSpPr>
-            <a:spLocks noGrp="1"/>
-          </p:cNvSpPr>
-          <p:nvPr>
-            <p:ph type="ftr" sz="quarter" idx="11"/>
-          </p:nvPr>
-        </p:nvSpPr>
-        <p:spPr/>
-        <p:txBody>
-          <a:bodyPr/>
-          <a:lstStyle/>
-          <a:p>
-            <a:r>
-              <a:rPr lang="en-US" dirty="0"/>
-              <a:t>Copyright © 2020 SPIKE Prime Lessons (primelessons.org) CC-BY-NC-SA.  (Last edit: 1/9/2020)</a:t>
             </a:r>
           </a:p>
         </p:txBody>
@@ -7143,6 +7351,39 @@
           </a:prstGeom>
         </p:spPr>
       </p:pic>
+      <p:sp>
+        <p:nvSpPr>
+          <p:cNvPr id="9" name="Footer Placeholder 3">
+            <a:extLst>
+              <a:ext uri="{FF2B5EF4-FFF2-40B4-BE49-F238E27FC236}">
+                <a16:creationId xmlns:a16="http://schemas.microsoft.com/office/drawing/2014/main" id="{DA080F97-61A4-44F4-9A24-26B90E4F4DE2}"/>
+              </a:ext>
+            </a:extLst>
+          </p:cNvPr>
+          <p:cNvSpPr>
+            <a:spLocks noGrp="1"/>
+          </p:cNvSpPr>
+          <p:nvPr>
+            <p:ph type="ftr" sz="quarter" idx="11"/>
+          </p:nvPr>
+        </p:nvSpPr>
+        <p:spPr>
+          <a:xfrm>
+            <a:off x="88409" y="6321349"/>
+            <a:ext cx="4870585" cy="365125"/>
+          </a:xfrm>
+        </p:spPr>
+        <p:txBody>
+          <a:bodyPr/>
+          <a:lstStyle/>
+          <a:p>
+            <a:r>
+              <a:rPr lang="en-US" dirty="0"/>
+              <a:t>Copyright © 2020 SPIKE Prime Lessons (primelessons.org) CC-BY-NC-SA.  (Last edit: 07/13/2020)</a:t>
+            </a:r>
+          </a:p>
+        </p:txBody>
+      </p:sp>
     </p:spTree>
     <p:extLst>
       <p:ext uri="{BB962C8B-B14F-4D97-AF65-F5344CB8AC3E}">
@@ -7227,41 +7468,14 @@
         </p:spPr>
         <p:txBody>
           <a:bodyPr>
-            <a:normAutofit fontScale="85000" lnSpcReduction="10000"/>
+            <a:noAutofit/>
           </a:bodyPr>
           <a:lstStyle/>
           <a:p>
+            <a:pPr algn="just"/>
             <a:r>
               <a:rPr lang="pt-BR" dirty="0"/>
               <a:t>Em lições anteriores você aprendeu a configurar o movimento do seu robô. O primeiro conjunto de blocos define os motores de movimento, a % de velocidade, a distância percorrida em uma rotação e pede para os motores Manterem a posição. (Veja a lição configurando o seu robô). Esse programa foi configurado para o DroidBot IV</a:t>
-            </a:r>
-          </a:p>
-        </p:txBody>
-      </p:sp>
-      <p:sp>
-        <p:nvSpPr>
-          <p:cNvPr id="4" name="Footer Placeholder 3">
-            <a:extLst>
-              <a:ext uri="{FF2B5EF4-FFF2-40B4-BE49-F238E27FC236}">
-                <a16:creationId xmlns:a16="http://schemas.microsoft.com/office/drawing/2014/main" id="{A32151A4-003E-4C98-B907-2FD12D4D297E}"/>
-              </a:ext>
-            </a:extLst>
-          </p:cNvPr>
-          <p:cNvSpPr>
-            <a:spLocks noGrp="1"/>
-          </p:cNvSpPr>
-          <p:nvPr>
-            <p:ph type="ftr" sz="quarter" idx="11"/>
-          </p:nvPr>
-        </p:nvSpPr>
-        <p:spPr/>
-        <p:txBody>
-          <a:bodyPr/>
-          <a:lstStyle/>
-          <a:p>
-            <a:r>
-              <a:rPr lang="en-US" dirty="0"/>
-              <a:t>Copyright © 2020 SPIKE Prime Lessons (primelessons.org) CC-BY-NC-SA.  (Last edit: 1/9/2020)</a:t>
             </a:r>
           </a:p>
         </p:txBody>
@@ -7311,7 +7525,7 @@
         </p:nvSpPr>
         <p:spPr>
           <a:xfrm>
-            <a:off x="175260" y="3583219"/>
+            <a:off x="175260" y="4331877"/>
             <a:ext cx="4022276" cy="1497316"/>
           </a:xfrm>
           <a:prstGeom prst="rect">
@@ -7523,6 +7737,7 @@
             </a:lvl9pPr>
           </a:lstStyle>
           <a:p>
+            <a:pPr algn="just"/>
             <a:r>
               <a:rPr lang="pt-BR" dirty="0"/>
               <a:t>Escreva o código para o robô ir 20cm para frente (Veja a lição Movimento) e virar 90 graus (Veja a lição virando com o giroscópio)</a:t>
@@ -7560,6 +7775,39 @@
           </a:prstGeom>
         </p:spPr>
       </p:pic>
+      <p:sp>
+        <p:nvSpPr>
+          <p:cNvPr id="9" name="Footer Placeholder 3">
+            <a:extLst>
+              <a:ext uri="{FF2B5EF4-FFF2-40B4-BE49-F238E27FC236}">
+                <a16:creationId xmlns:a16="http://schemas.microsoft.com/office/drawing/2014/main" id="{6B40E838-6FE9-4176-A82A-487952238C68}"/>
+              </a:ext>
+            </a:extLst>
+          </p:cNvPr>
+          <p:cNvSpPr>
+            <a:spLocks noGrp="1"/>
+          </p:cNvSpPr>
+          <p:nvPr>
+            <p:ph type="ftr" sz="quarter" idx="11"/>
+          </p:nvPr>
+        </p:nvSpPr>
+        <p:spPr>
+          <a:xfrm>
+            <a:off x="88409" y="6321349"/>
+            <a:ext cx="4870585" cy="365125"/>
+          </a:xfrm>
+        </p:spPr>
+        <p:txBody>
+          <a:bodyPr/>
+          <a:lstStyle/>
+          <a:p>
+            <a:r>
+              <a:rPr lang="en-US" dirty="0"/>
+              <a:t>Copyright © 2020 SPIKE Prime Lessons (primelessons.org) CC-BY-NC-SA.  (Last edit: 07/13/2020)</a:t>
+            </a:r>
+          </a:p>
+        </p:txBody>
+      </p:sp>
     </p:spTree>
     <p:extLst>
       <p:ext uri="{BB962C8B-B14F-4D97-AF65-F5344CB8AC3E}">
@@ -7693,7 +7941,15 @@
           <a:p>
             <a:r>
               <a:rPr lang="pt-BR" sz="1600" dirty="0"/>
-              <a:t>Traduzido para o português por Lucas Colonna</a:t>
+              <a:t>Traduzido para o português por Lucas </a:t>
+            </a:r>
+            <a:r>
+              <a:rPr lang="pt-BR" sz="1600" dirty="0" err="1"/>
+              <a:t>Colonna</a:t>
+            </a:r>
+            <a:r>
+              <a:rPr lang="pt-BR" sz="1600" dirty="0"/>
+              <a:t> e revisado por Anderson Harayashiki Moreira</a:t>
             </a:r>
           </a:p>
           <a:p>
@@ -7718,7 +7974,7 @@
           <a:p>
             <a:r>
               <a:rPr lang="en-US" dirty="0"/>
-              <a:t>Copyright © 2020 SPIKE Prime Lessons (primelessons.org) CC-BY-NC-SA.  (Last edit: 1/9/2020)</a:t>
+              <a:t>Copyright © 2020 SPIKE Prime Lessons (primelessons.org) CC-BY-NC-SA.  (Last edit: 07/13/2020)</a:t>
             </a:r>
           </a:p>
         </p:txBody>
@@ -7748,7 +8004,7 @@
           <a:effectLst/>
           <a:extLst>
             <a:ext uri="{91240B29-F687-4f45-9708-019B960494DF}">
-              <a14:hiddenLine xmlns="" xmlns:a14="http://schemas.microsoft.com/office/drawing/2010/main" w="9525">
+              <a14:hiddenLine xmlns:a14="http://schemas.microsoft.com/office/drawing/2010/main" xmlns="" w="9525">
                 <a:solidFill>
                   <a:schemeClr val="tx1"/>
                 </a:solidFill>
@@ -7758,7 +8014,7 @@
               </a14:hiddenLine>
             </a:ext>
             <a:ext uri="{AF507438-7753-43e0-B8FC-AC1667EBCBE1}">
-              <a14:hiddenEffects xmlns="" xmlns:a14="http://schemas.microsoft.com/office/drawing/2010/main">
+              <a14:hiddenEffects xmlns:a14="http://schemas.microsoft.com/office/drawing/2010/main" xmlns="">
                 <a:effectLst>
                   <a:outerShdw dist="35921" dir="2700000" algn="ctr" rotWithShape="0">
                     <a:schemeClr val="bg2"/>
@@ -8099,7 +8355,7 @@
           <a:noFill/>
           <a:extLst>
             <a:ext uri="{909E8E84-426E-40dd-AFC4-6F175D3DCCD1}">
-              <a14:hiddenFill xmlns="" xmlns:a14="http://schemas.microsoft.com/office/drawing/2010/main">
+              <a14:hiddenFill xmlns:a14="http://schemas.microsoft.com/office/drawing/2010/main" xmlns="">
                 <a:solidFill>
                   <a:srgbClr val="FFFFFF"/>
                 </a:solidFill>
